--- a/tgsite/i/graphics.pptx
+++ b/tgsite/i/graphics.pptx
@@ -6,6 +6,10 @@
   </p:sldMasterIdLst>
   <p:sldIdLst>
     <p:sldId id="256" r:id="rId2"/>
+    <p:sldId id="257" r:id="rId3"/>
+    <p:sldId id="258" r:id="rId4"/>
+    <p:sldId id="259" r:id="rId5"/>
+    <p:sldId id="260" r:id="rId6"/>
   </p:sldIdLst>
   <p:sldSz cx="12192000" cy="6858000"/>
   <p:notesSz cx="6858000" cy="9144000"/>
@@ -104,6 +108,11 @@
       </a:defRPr>
     </a:lvl9pPr>
   </p:defaultTextStyle>
+  <p:extLst>
+    <p:ext uri="{EFAFB233-063F-42B5-8137-9DF3F51BA10A}">
+      <p15:sldGuideLst xmlns:p15="http://schemas.microsoft.com/office/powerpoint/2012/main"/>
+    </p:ext>
+  </p:extLst>
 </p:presentation>
 </file>
 
@@ -255,7 +264,7 @@
           <a:lstStyle/>
           <a:p>
             <a:fld id="{2DE10FD1-B6A7-2842-9EBC-91C52A8C5569}" type="datetimeFigureOut">
-              <a:t>6/5/20</a:t>
+              <a:t>6/9/20</a:t>
             </a:fld>
             <a:endParaRPr lang="en-US"/>
           </a:p>
@@ -453,7 +462,7 @@
           <a:lstStyle/>
           <a:p>
             <a:fld id="{2DE10FD1-B6A7-2842-9EBC-91C52A8C5569}" type="datetimeFigureOut">
-              <a:t>6/5/20</a:t>
+              <a:t>6/9/20</a:t>
             </a:fld>
             <a:endParaRPr lang="en-US"/>
           </a:p>
@@ -661,7 +670,7 @@
           <a:lstStyle/>
           <a:p>
             <a:fld id="{2DE10FD1-B6A7-2842-9EBC-91C52A8C5569}" type="datetimeFigureOut">
-              <a:t>6/5/20</a:t>
+              <a:t>6/9/20</a:t>
             </a:fld>
             <a:endParaRPr lang="en-US"/>
           </a:p>
@@ -859,7 +868,7 @@
           <a:lstStyle/>
           <a:p>
             <a:fld id="{2DE10FD1-B6A7-2842-9EBC-91C52A8C5569}" type="datetimeFigureOut">
-              <a:t>6/5/20</a:t>
+              <a:t>6/9/20</a:t>
             </a:fld>
             <a:endParaRPr lang="en-US"/>
           </a:p>
@@ -1133,7 +1142,7 @@
           <a:lstStyle/>
           <a:p>
             <a:fld id="{2DE10FD1-B6A7-2842-9EBC-91C52A8C5569}" type="datetimeFigureOut">
-              <a:t>6/5/20</a:t>
+              <a:t>6/9/20</a:t>
             </a:fld>
             <a:endParaRPr lang="en-US"/>
           </a:p>
@@ -1399,7 +1408,7 @@
           <a:lstStyle/>
           <a:p>
             <a:fld id="{2DE10FD1-B6A7-2842-9EBC-91C52A8C5569}" type="datetimeFigureOut">
-              <a:t>6/5/20</a:t>
+              <a:t>6/9/20</a:t>
             </a:fld>
             <a:endParaRPr lang="en-US"/>
           </a:p>
@@ -1812,7 +1821,7 @@
           <a:lstStyle/>
           <a:p>
             <a:fld id="{2DE10FD1-B6A7-2842-9EBC-91C52A8C5569}" type="datetimeFigureOut">
-              <a:t>6/5/20</a:t>
+              <a:t>6/9/20</a:t>
             </a:fld>
             <a:endParaRPr lang="en-US"/>
           </a:p>
@@ -1952,7 +1961,7 @@
           <a:lstStyle/>
           <a:p>
             <a:fld id="{2DE10FD1-B6A7-2842-9EBC-91C52A8C5569}" type="datetimeFigureOut">
-              <a:t>6/5/20</a:t>
+              <a:t>6/9/20</a:t>
             </a:fld>
             <a:endParaRPr lang="en-US"/>
           </a:p>
@@ -2063,7 +2072,7 @@
           <a:lstStyle/>
           <a:p>
             <a:fld id="{2DE10FD1-B6A7-2842-9EBC-91C52A8C5569}" type="datetimeFigureOut">
-              <a:t>6/5/20</a:t>
+              <a:t>6/9/20</a:t>
             </a:fld>
             <a:endParaRPr lang="en-US"/>
           </a:p>
@@ -2374,7 +2383,7 @@
           <a:lstStyle/>
           <a:p>
             <a:fld id="{2DE10FD1-B6A7-2842-9EBC-91C52A8C5569}" type="datetimeFigureOut">
-              <a:t>6/5/20</a:t>
+              <a:t>6/9/20</a:t>
             </a:fld>
             <a:endParaRPr lang="en-US"/>
           </a:p>
@@ -2661,7 +2670,7 @@
           <a:lstStyle/>
           <a:p>
             <a:fld id="{2DE10FD1-B6A7-2842-9EBC-91C52A8C5569}" type="datetimeFigureOut">
-              <a:t>6/5/20</a:t>
+              <a:t>6/9/20</a:t>
             </a:fld>
             <a:endParaRPr lang="en-US"/>
           </a:p>
@@ -2902,7 +2911,7 @@
           </a:lstStyle>
           <a:p>
             <a:fld id="{2DE10FD1-B6A7-2842-9EBC-91C52A8C5569}" type="datetimeFigureOut">
-              <a:t>6/5/20</a:t>
+              <a:t>6/9/20</a:t>
             </a:fld>
             <a:endParaRPr lang="en-US"/>
           </a:p>
@@ -3824,6 +3833,676 @@
 </p:sld>
 </file>
 
+<file path=ppt/slides/slide2.xml><?xml version="1.0" encoding="utf-8"?>
+<p:sld xmlns:a="http://schemas.openxmlformats.org/drawingml/2006/main" xmlns:r="http://schemas.openxmlformats.org/officeDocument/2006/relationships" xmlns:p="http://schemas.openxmlformats.org/presentationml/2006/main">
+  <p:cSld>
+    <p:spTree>
+      <p:nvGrpSpPr>
+        <p:cNvPr id="1" name=""/>
+        <p:cNvGrpSpPr/>
+        <p:nvPr/>
+      </p:nvGrpSpPr>
+      <p:grpSpPr>
+        <a:xfrm>
+          <a:off x="0" y="0"/>
+          <a:ext cx="0" cy="0"/>
+          <a:chOff x="0" y="0"/>
+          <a:chExt cx="0" cy="0"/>
+        </a:xfrm>
+      </p:grpSpPr>
+      <p:pic>
+        <p:nvPicPr>
+          <p:cNvPr id="5" name="Picture 4" descr="A screenshot of a cell phone&#10;&#10;Description automatically generated">
+            <a:extLst>
+              <a:ext uri="{FF2B5EF4-FFF2-40B4-BE49-F238E27FC236}">
+                <a16:creationId xmlns:a16="http://schemas.microsoft.com/office/drawing/2014/main" id="{B671BBD5-57C3-4044-A862-7D44D50F5A28}"/>
+              </a:ext>
+            </a:extLst>
+          </p:cNvPr>
+          <p:cNvPicPr>
+            <a:picLocks noChangeAspect="1"/>
+          </p:cNvPicPr>
+          <p:nvPr/>
+        </p:nvPicPr>
+        <p:blipFill>
+          <a:blip r:embed="rId2"/>
+          <a:stretch>
+            <a:fillRect/>
+          </a:stretch>
+        </p:blipFill>
+        <p:spPr>
+          <a:xfrm>
+            <a:off x="857625" y="631809"/>
+            <a:ext cx="10476750" cy="5594381"/>
+          </a:xfrm>
+          <a:prstGeom prst="rect">
+            <a:avLst/>
+          </a:prstGeom>
+        </p:spPr>
+      </p:pic>
+      <p:sp>
+        <p:nvSpPr>
+          <p:cNvPr id="6" name="TextBox 5">
+            <a:extLst>
+              <a:ext uri="{FF2B5EF4-FFF2-40B4-BE49-F238E27FC236}">
+                <a16:creationId xmlns:a16="http://schemas.microsoft.com/office/drawing/2014/main" id="{30D29F1A-14B9-A547-8C12-38610B6D771D}"/>
+              </a:ext>
+            </a:extLst>
+          </p:cNvPr>
+          <p:cNvSpPr txBox="1"/>
+          <p:nvPr/>
+        </p:nvSpPr>
+        <p:spPr>
+          <a:xfrm>
+            <a:off x="2254685" y="1628384"/>
+            <a:ext cx="5279009" cy="1200329"/>
+          </a:xfrm>
+          <a:prstGeom prst="rect">
+            <a:avLst/>
+          </a:prstGeom>
+          <a:solidFill>
+            <a:schemeClr val="bg1"/>
+          </a:solidFill>
+        </p:spPr>
+        <p:txBody>
+          <a:bodyPr wrap="none" rtlCol="0">
+            <a:spAutoFit/>
+          </a:bodyPr>
+          <a:lstStyle/>
+          <a:p>
+            <a:r>
+              <a:rPr lang="en-US" sz="2400">
+                <a:latin typeface="Roboto" panose="02000000000000000000" pitchFamily="2" charset="0"/>
+                <a:ea typeface="Roboto" panose="02000000000000000000" pitchFamily="2" charset="0"/>
+              </a:rPr>
+              <a:t>Hallo,</a:t>
+            </a:r>
+          </a:p>
+          <a:p>
+            <a:endParaRPr lang="en-US" sz="2400">
+              <a:latin typeface="Roboto" panose="02000000000000000000" pitchFamily="2" charset="0"/>
+              <a:ea typeface="Roboto" panose="02000000000000000000" pitchFamily="2" charset="0"/>
+            </a:endParaRPr>
+          </a:p>
+          <a:p>
+            <a:r>
+              <a:rPr lang="en-US" sz="2400">
+                <a:latin typeface="Roboto" panose="02000000000000000000" pitchFamily="2" charset="0"/>
+                <a:ea typeface="Roboto" panose="02000000000000000000" pitchFamily="2" charset="0"/>
+              </a:rPr>
+              <a:t>ja, ich sp</a:t>
+            </a:r>
+            <a:r>
+              <a:rPr lang="en-US" sz="2400">
+                <a:solidFill>
+                  <a:schemeClr val="bg1">
+                    <a:lumMod val="65000"/>
+                  </a:schemeClr>
+                </a:solidFill>
+                <a:latin typeface="Roboto" panose="02000000000000000000" pitchFamily="2" charset="0"/>
+                <a:ea typeface="Roboto" panose="02000000000000000000" pitchFamily="2" charset="0"/>
+              </a:rPr>
+              <a:t>reche auch fließend Deutsch</a:t>
+            </a:r>
+          </a:p>
+        </p:txBody>
+      </p:sp>
+    </p:spTree>
+    <p:extLst>
+      <p:ext uri="{BB962C8B-B14F-4D97-AF65-F5344CB8AC3E}">
+        <p14:creationId xmlns:p14="http://schemas.microsoft.com/office/powerpoint/2010/main" val="3680686254"/>
+      </p:ext>
+    </p:extLst>
+  </p:cSld>
+  <p:clrMapOvr>
+    <a:masterClrMapping/>
+  </p:clrMapOvr>
+</p:sld>
+</file>
+
+<file path=ppt/slides/slide3.xml><?xml version="1.0" encoding="utf-8"?>
+<p:sld xmlns:a="http://schemas.openxmlformats.org/drawingml/2006/main" xmlns:r="http://schemas.openxmlformats.org/officeDocument/2006/relationships" xmlns:p="http://schemas.openxmlformats.org/presentationml/2006/main">
+  <p:cSld>
+    <p:spTree>
+      <p:nvGrpSpPr>
+        <p:cNvPr id="1" name=""/>
+        <p:cNvGrpSpPr/>
+        <p:nvPr/>
+      </p:nvGrpSpPr>
+      <p:grpSpPr>
+        <a:xfrm>
+          <a:off x="0" y="0"/>
+          <a:ext cx="0" cy="0"/>
+          <a:chOff x="0" y="0"/>
+          <a:chExt cx="0" cy="0"/>
+        </a:xfrm>
+      </p:grpSpPr>
+      <p:sp>
+        <p:nvSpPr>
+          <p:cNvPr id="7" name="Rounded Rectangular Callout 6">
+            <a:extLst>
+              <a:ext uri="{FF2B5EF4-FFF2-40B4-BE49-F238E27FC236}">
+                <a16:creationId xmlns:a16="http://schemas.microsoft.com/office/drawing/2014/main" id="{7B2F17C3-A3AF-E647-AC91-306C9AB62C86}"/>
+              </a:ext>
+            </a:extLst>
+          </p:cNvPr>
+          <p:cNvSpPr/>
+          <p:nvPr/>
+        </p:nvSpPr>
+        <p:spPr>
+          <a:xfrm>
+            <a:off x="3711345" y="1628384"/>
+            <a:ext cx="4951658" cy="701159"/>
+          </a:xfrm>
+          <a:prstGeom prst="wedgeRoundRectCallout">
+            <a:avLst>
+              <a:gd name="adj1" fmla="val -53105"/>
+              <a:gd name="adj2" fmla="val -21337"/>
+              <a:gd name="adj3" fmla="val 16667"/>
+            </a:avLst>
+          </a:prstGeom>
+          <a:solidFill>
+            <a:schemeClr val="bg1"/>
+          </a:solidFill>
+          <a:ln w="19050"/>
+          <a:effectLst>
+            <a:outerShdw blurRad="50800" dist="38100" dir="2700000" algn="tl" rotWithShape="0">
+              <a:prstClr val="black">
+                <a:alpha val="40000"/>
+              </a:prstClr>
+            </a:outerShdw>
+          </a:effectLst>
+        </p:spPr>
+        <p:style>
+          <a:lnRef idx="2">
+            <a:schemeClr val="dk1"/>
+          </a:lnRef>
+          <a:fillRef idx="1">
+            <a:schemeClr val="lt1"/>
+          </a:fillRef>
+          <a:effectRef idx="0">
+            <a:schemeClr val="dk1"/>
+          </a:effectRef>
+          <a:fontRef idx="minor">
+            <a:schemeClr val="dk1"/>
+          </a:fontRef>
+        </p:style>
+        <p:txBody>
+          <a:bodyPr rtlCol="0" anchor="ctr"/>
+          <a:lstStyle/>
+          <a:p>
+            <a:pPr algn="ctr"/>
+            <a:endParaRPr lang="en-US"/>
+          </a:p>
+        </p:txBody>
+      </p:sp>
+      <p:sp>
+        <p:nvSpPr>
+          <p:cNvPr id="8" name="Rounded Rectangular Callout 7">
+            <a:extLst>
+              <a:ext uri="{FF2B5EF4-FFF2-40B4-BE49-F238E27FC236}">
+                <a16:creationId xmlns:a16="http://schemas.microsoft.com/office/drawing/2014/main" id="{715A0F3D-3E59-8648-A9B0-6081C9127C6B}"/>
+              </a:ext>
+            </a:extLst>
+          </p:cNvPr>
+          <p:cNvSpPr/>
+          <p:nvPr/>
+        </p:nvSpPr>
+        <p:spPr>
+          <a:xfrm>
+            <a:off x="3711345" y="2521012"/>
+            <a:ext cx="4951658" cy="701159"/>
+          </a:xfrm>
+          <a:prstGeom prst="wedgeRoundRectCallout">
+            <a:avLst>
+              <a:gd name="adj1" fmla="val -53325"/>
+              <a:gd name="adj2" fmla="val -41520"/>
+              <a:gd name="adj3" fmla="val 16667"/>
+            </a:avLst>
+          </a:prstGeom>
+          <a:solidFill>
+            <a:schemeClr val="bg1"/>
+          </a:solidFill>
+          <a:ln w="19050"/>
+          <a:effectLst>
+            <a:outerShdw blurRad="50800" dist="38100" dir="2700000" algn="tl" rotWithShape="0">
+              <a:prstClr val="black">
+                <a:alpha val="40000"/>
+              </a:prstClr>
+            </a:outerShdw>
+          </a:effectLst>
+        </p:spPr>
+        <p:style>
+          <a:lnRef idx="2">
+            <a:schemeClr val="dk1"/>
+          </a:lnRef>
+          <a:fillRef idx="1">
+            <a:schemeClr val="lt1"/>
+          </a:fillRef>
+          <a:effectRef idx="0">
+            <a:schemeClr val="dk1"/>
+          </a:effectRef>
+          <a:fontRef idx="minor">
+            <a:schemeClr val="dk1"/>
+          </a:fontRef>
+        </p:style>
+        <p:txBody>
+          <a:bodyPr rtlCol="0" anchor="ctr"/>
+          <a:lstStyle/>
+          <a:p>
+            <a:pPr algn="ctr"/>
+            <a:endParaRPr lang="en-US"/>
+          </a:p>
+        </p:txBody>
+      </p:sp>
+      <p:sp>
+        <p:nvSpPr>
+          <p:cNvPr id="10" name="Rounded Rectangular Callout 9">
+            <a:extLst>
+              <a:ext uri="{FF2B5EF4-FFF2-40B4-BE49-F238E27FC236}">
+                <a16:creationId xmlns:a16="http://schemas.microsoft.com/office/drawing/2014/main" id="{F7855559-DB81-144E-B3A4-309013EFAC2C}"/>
+              </a:ext>
+            </a:extLst>
+          </p:cNvPr>
+          <p:cNvSpPr/>
+          <p:nvPr/>
+        </p:nvSpPr>
+        <p:spPr>
+          <a:xfrm>
+            <a:off x="3711345" y="4054024"/>
+            <a:ext cx="4951658" cy="701159"/>
+          </a:xfrm>
+          <a:prstGeom prst="wedgeRoundRectCallout">
+            <a:avLst>
+              <a:gd name="adj1" fmla="val -53325"/>
+              <a:gd name="adj2" fmla="val -16680"/>
+              <a:gd name="adj3" fmla="val 16667"/>
+            </a:avLst>
+          </a:prstGeom>
+          <a:solidFill>
+            <a:schemeClr val="bg1"/>
+          </a:solidFill>
+          <a:ln w="19050"/>
+          <a:effectLst>
+            <a:outerShdw blurRad="50800" dist="38100" dir="2700000" algn="tl" rotWithShape="0">
+              <a:prstClr val="black">
+                <a:alpha val="40000"/>
+              </a:prstClr>
+            </a:outerShdw>
+          </a:effectLst>
+        </p:spPr>
+        <p:style>
+          <a:lnRef idx="2">
+            <a:schemeClr val="dk1"/>
+          </a:lnRef>
+          <a:fillRef idx="1">
+            <a:schemeClr val="lt1"/>
+          </a:fillRef>
+          <a:effectRef idx="0">
+            <a:schemeClr val="dk1"/>
+          </a:effectRef>
+          <a:fontRef idx="minor">
+            <a:schemeClr val="dk1"/>
+          </a:fontRef>
+        </p:style>
+        <p:txBody>
+          <a:bodyPr rtlCol="0" anchor="ctr"/>
+          <a:lstStyle/>
+          <a:p>
+            <a:pPr algn="ctr"/>
+            <a:endParaRPr lang="en-US"/>
+          </a:p>
+        </p:txBody>
+      </p:sp>
+      <p:sp>
+        <p:nvSpPr>
+          <p:cNvPr id="3" name="TextBox 2">
+            <a:extLst>
+              <a:ext uri="{FF2B5EF4-FFF2-40B4-BE49-F238E27FC236}">
+                <a16:creationId xmlns:a16="http://schemas.microsoft.com/office/drawing/2014/main" id="{D7C06E2C-0422-C341-8C4C-F64704D22574}"/>
+              </a:ext>
+            </a:extLst>
+          </p:cNvPr>
+          <p:cNvSpPr txBox="1"/>
+          <p:nvPr/>
+        </p:nvSpPr>
+        <p:spPr>
+          <a:xfrm>
+            <a:off x="3816186" y="1787919"/>
+            <a:ext cx="4631396" cy="400110"/>
+          </a:xfrm>
+          <a:prstGeom prst="rect">
+            <a:avLst/>
+          </a:prstGeom>
+          <a:solidFill>
+            <a:schemeClr val="bg1"/>
+          </a:solidFill>
+        </p:spPr>
+        <p:txBody>
+          <a:bodyPr wrap="none" rtlCol="0">
+            <a:spAutoFit/>
+          </a:bodyPr>
+          <a:lstStyle/>
+          <a:p>
+            <a:pPr algn="ctr"/>
+            <a:r>
+              <a:rPr lang="en-US" sz="2000">
+                <a:latin typeface="Roboto" panose="02000000000000000000" pitchFamily="2" charset="0"/>
+                <a:ea typeface="Roboto" panose="02000000000000000000" pitchFamily="2" charset="0"/>
+              </a:rPr>
+              <a:t>Our opening hours are now 7am – 9pm</a:t>
+            </a:r>
+            <a:endParaRPr lang="en-US" sz="2000">
+              <a:solidFill>
+                <a:schemeClr val="bg1">
+                  <a:lumMod val="65000"/>
+                </a:schemeClr>
+              </a:solidFill>
+              <a:latin typeface="Roboto" panose="02000000000000000000" pitchFamily="2" charset="0"/>
+              <a:ea typeface="Roboto" panose="02000000000000000000" pitchFamily="2" charset="0"/>
+            </a:endParaRPr>
+          </a:p>
+        </p:txBody>
+      </p:sp>
+      <p:pic>
+        <p:nvPicPr>
+          <p:cNvPr id="4" name="Picture 3">
+            <a:extLst>
+              <a:ext uri="{FF2B5EF4-FFF2-40B4-BE49-F238E27FC236}">
+                <a16:creationId xmlns:a16="http://schemas.microsoft.com/office/drawing/2014/main" id="{D670AA89-7184-0744-A410-4D6530506995}"/>
+              </a:ext>
+            </a:extLst>
+          </p:cNvPr>
+          <p:cNvPicPr>
+            <a:picLocks noChangeAspect="1"/>
+          </p:cNvPicPr>
+          <p:nvPr/>
+        </p:nvPicPr>
+        <p:blipFill>
+          <a:blip r:embed="rId2"/>
+          <a:stretch>
+            <a:fillRect/>
+          </a:stretch>
+        </p:blipFill>
+        <p:spPr>
+          <a:xfrm>
+            <a:off x="2242246" y="1641392"/>
+            <a:ext cx="852529" cy="766544"/>
+          </a:xfrm>
+          <a:prstGeom prst="ellipse">
+            <a:avLst/>
+          </a:prstGeom>
+        </p:spPr>
+      </p:pic>
+      <p:sp>
+        <p:nvSpPr>
+          <p:cNvPr id="5" name="TextBox 4">
+            <a:extLst>
+              <a:ext uri="{FF2B5EF4-FFF2-40B4-BE49-F238E27FC236}">
+                <a16:creationId xmlns:a16="http://schemas.microsoft.com/office/drawing/2014/main" id="{AD05629F-56F2-DC4A-9330-EC204ED52E9C}"/>
+              </a:ext>
+            </a:extLst>
+          </p:cNvPr>
+          <p:cNvSpPr txBox="1"/>
+          <p:nvPr/>
+        </p:nvSpPr>
+        <p:spPr>
+          <a:xfrm>
+            <a:off x="3803363" y="2671536"/>
+            <a:ext cx="4657044" cy="400110"/>
+          </a:xfrm>
+          <a:prstGeom prst="rect">
+            <a:avLst/>
+          </a:prstGeom>
+          <a:solidFill>
+            <a:schemeClr val="bg1"/>
+          </a:solidFill>
+        </p:spPr>
+        <p:txBody>
+          <a:bodyPr wrap="none" rtlCol="0">
+            <a:spAutoFit/>
+          </a:bodyPr>
+          <a:lstStyle/>
+          <a:p>
+            <a:pPr algn="ctr"/>
+            <a:r>
+              <a:rPr lang="en-US" sz="2000">
+                <a:latin typeface="Roboto" panose="02000000000000000000" pitchFamily="2" charset="0"/>
+                <a:ea typeface="Roboto" panose="02000000000000000000" pitchFamily="2" charset="0"/>
+              </a:rPr>
+              <a:t>The opening hours are now 7am – 9pm</a:t>
+            </a:r>
+            <a:endParaRPr lang="en-US" sz="2000">
+              <a:solidFill>
+                <a:schemeClr val="bg1">
+                  <a:lumMod val="65000"/>
+                </a:schemeClr>
+              </a:solidFill>
+              <a:latin typeface="Roboto" panose="02000000000000000000" pitchFamily="2" charset="0"/>
+              <a:ea typeface="Roboto" panose="02000000000000000000" pitchFamily="2" charset="0"/>
+            </a:endParaRPr>
+          </a:p>
+        </p:txBody>
+      </p:sp>
+      <p:sp>
+        <p:nvSpPr>
+          <p:cNvPr id="9" name="TextBox 8">
+            <a:extLst>
+              <a:ext uri="{FF2B5EF4-FFF2-40B4-BE49-F238E27FC236}">
+                <a16:creationId xmlns:a16="http://schemas.microsoft.com/office/drawing/2014/main" id="{C270F0AA-762E-DD4B-AD4E-4F5F0DCA6E88}"/>
+              </a:ext>
+            </a:extLst>
+          </p:cNvPr>
+          <p:cNvSpPr txBox="1"/>
+          <p:nvPr/>
+        </p:nvSpPr>
+        <p:spPr>
+          <a:xfrm>
+            <a:off x="3762486" y="4204548"/>
+            <a:ext cx="4738798" cy="400110"/>
+          </a:xfrm>
+          <a:prstGeom prst="rect">
+            <a:avLst/>
+          </a:prstGeom>
+          <a:solidFill>
+            <a:schemeClr val="bg1"/>
+          </a:solidFill>
+        </p:spPr>
+        <p:txBody>
+          <a:bodyPr wrap="none" rtlCol="0">
+            <a:spAutoFit/>
+          </a:bodyPr>
+          <a:lstStyle/>
+          <a:p>
+            <a:pPr algn="ctr"/>
+            <a:r>
+              <a:rPr lang="en-US" sz="2000">
+                <a:latin typeface="Roboto" panose="02000000000000000000" pitchFamily="2" charset="0"/>
+                <a:ea typeface="Roboto" panose="02000000000000000000" pitchFamily="2" charset="0"/>
+              </a:rPr>
+              <a:t>New o</a:t>
+            </a:r>
+            <a:r>
+              <a:rPr lang="en-US" sz="2000">
+                <a:solidFill>
+                  <a:schemeClr val="bg1">
+                    <a:lumMod val="65000"/>
+                  </a:schemeClr>
+                </a:solidFill>
+                <a:latin typeface="Roboto" panose="02000000000000000000" pitchFamily="2" charset="0"/>
+                <a:ea typeface="Roboto" panose="02000000000000000000" pitchFamily="2" charset="0"/>
+              </a:rPr>
+              <a:t>pening hours are now 7am – 9pm</a:t>
+            </a:r>
+          </a:p>
+        </p:txBody>
+      </p:sp>
+      <p:pic>
+        <p:nvPicPr>
+          <p:cNvPr id="13" name="Picture 12" descr="A close up of a sign&#10;&#10;Description automatically generated">
+            <a:extLst>
+              <a:ext uri="{FF2B5EF4-FFF2-40B4-BE49-F238E27FC236}">
+                <a16:creationId xmlns:a16="http://schemas.microsoft.com/office/drawing/2014/main" id="{152DA1D6-AAC7-BC4B-A081-9B71131B6CA1}"/>
+              </a:ext>
+            </a:extLst>
+          </p:cNvPr>
+          <p:cNvPicPr>
+            <a:picLocks noChangeAspect="1"/>
+          </p:cNvPicPr>
+          <p:nvPr/>
+        </p:nvPicPr>
+        <p:blipFill>
+          <a:blip r:embed="rId3"/>
+          <a:stretch>
+            <a:fillRect/>
+          </a:stretch>
+        </p:blipFill>
+        <p:spPr>
+          <a:xfrm>
+            <a:off x="2242246" y="3931155"/>
+            <a:ext cx="824028" cy="824028"/>
+          </a:xfrm>
+          <a:prstGeom prst="rect">
+            <a:avLst/>
+          </a:prstGeom>
+        </p:spPr>
+      </p:pic>
+      <p:sp>
+        <p:nvSpPr>
+          <p:cNvPr id="14" name="Right Arrow 13">
+            <a:extLst>
+              <a:ext uri="{FF2B5EF4-FFF2-40B4-BE49-F238E27FC236}">
+                <a16:creationId xmlns:a16="http://schemas.microsoft.com/office/drawing/2014/main" id="{D04321F7-1CBC-3647-B1E8-E7A51DD0D777}"/>
+              </a:ext>
+            </a:extLst>
+          </p:cNvPr>
+          <p:cNvSpPr/>
+          <p:nvPr/>
+        </p:nvSpPr>
+        <p:spPr>
+          <a:xfrm rot="5400000">
+            <a:off x="5985787" y="3245623"/>
+            <a:ext cx="402772" cy="769531"/>
+          </a:xfrm>
+          <a:prstGeom prst="rightArrow">
+            <a:avLst>
+              <a:gd name="adj1" fmla="val 59762"/>
+              <a:gd name="adj2" fmla="val 51112"/>
+            </a:avLst>
+          </a:prstGeom>
+          <a:solidFill>
+            <a:schemeClr val="bg1">
+              <a:lumMod val="50000"/>
+            </a:schemeClr>
+          </a:solidFill>
+          <a:ln>
+            <a:noFill/>
+          </a:ln>
+        </p:spPr>
+        <p:style>
+          <a:lnRef idx="2">
+            <a:schemeClr val="accent1">
+              <a:shade val="50000"/>
+            </a:schemeClr>
+          </a:lnRef>
+          <a:fillRef idx="1">
+            <a:schemeClr val="accent1"/>
+          </a:fillRef>
+          <a:effectRef idx="0">
+            <a:schemeClr val="accent1"/>
+          </a:effectRef>
+          <a:fontRef idx="minor">
+            <a:schemeClr val="lt1"/>
+          </a:fontRef>
+        </p:style>
+        <p:txBody>
+          <a:bodyPr rtlCol="0" anchor="ctr"/>
+          <a:lstStyle/>
+          <a:p>
+            <a:pPr algn="ctr"/>
+            <a:endParaRPr lang="en-US">
+              <a:solidFill>
+                <a:schemeClr val="bg1">
+                  <a:lumMod val="50000"/>
+                </a:schemeClr>
+              </a:solidFill>
+            </a:endParaRPr>
+          </a:p>
+        </p:txBody>
+      </p:sp>
+    </p:spTree>
+    <p:extLst>
+      <p:ext uri="{BB962C8B-B14F-4D97-AF65-F5344CB8AC3E}">
+        <p14:creationId xmlns:p14="http://schemas.microsoft.com/office/powerpoint/2010/main" val="2492632790"/>
+      </p:ext>
+    </p:extLst>
+  </p:cSld>
+  <p:clrMapOvr>
+    <a:masterClrMapping/>
+  </p:clrMapOvr>
+</p:sld>
+</file>
+
+<file path=ppt/slides/slide4.xml><?xml version="1.0" encoding="utf-8"?>
+<p:sld xmlns:a="http://schemas.openxmlformats.org/drawingml/2006/main" xmlns:r="http://schemas.openxmlformats.org/officeDocument/2006/relationships" xmlns:p="http://schemas.openxmlformats.org/presentationml/2006/main">
+  <p:cSld>
+    <p:spTree>
+      <p:nvGrpSpPr>
+        <p:cNvPr id="1" name=""/>
+        <p:cNvGrpSpPr/>
+        <p:nvPr/>
+      </p:nvGrpSpPr>
+      <p:grpSpPr>
+        <a:xfrm>
+          <a:off x="0" y="0"/>
+          <a:ext cx="0" cy="0"/>
+          <a:chOff x="0" y="0"/>
+          <a:chExt cx="0" cy="0"/>
+        </a:xfrm>
+      </p:grpSpPr>
+    </p:spTree>
+    <p:extLst>
+      <p:ext uri="{BB962C8B-B14F-4D97-AF65-F5344CB8AC3E}">
+        <p14:creationId xmlns:p14="http://schemas.microsoft.com/office/powerpoint/2010/main" val="3100083822"/>
+      </p:ext>
+    </p:extLst>
+  </p:cSld>
+  <p:clrMapOvr>
+    <a:masterClrMapping/>
+  </p:clrMapOvr>
+</p:sld>
+</file>
+
+<file path=ppt/slides/slide5.xml><?xml version="1.0" encoding="utf-8"?>
+<p:sld xmlns:a="http://schemas.openxmlformats.org/drawingml/2006/main" xmlns:r="http://schemas.openxmlformats.org/officeDocument/2006/relationships" xmlns:p="http://schemas.openxmlformats.org/presentationml/2006/main">
+  <p:cSld>
+    <p:spTree>
+      <p:nvGrpSpPr>
+        <p:cNvPr id="1" name=""/>
+        <p:cNvGrpSpPr/>
+        <p:nvPr/>
+      </p:nvGrpSpPr>
+      <p:grpSpPr>
+        <a:xfrm>
+          <a:off x="0" y="0"/>
+          <a:ext cx="0" cy="0"/>
+          <a:chOff x="0" y="0"/>
+          <a:chExt cx="0" cy="0"/>
+        </a:xfrm>
+      </p:grpSpPr>
+    </p:spTree>
+    <p:extLst>
+      <p:ext uri="{BB962C8B-B14F-4D97-AF65-F5344CB8AC3E}">
+        <p14:creationId xmlns:p14="http://schemas.microsoft.com/office/powerpoint/2010/main" val="1878164684"/>
+      </p:ext>
+    </p:extLst>
+  </p:cSld>
+  <p:clrMapOvr>
+    <a:masterClrMapping/>
+  </p:clrMapOvr>
+</p:sld>
+</file>
+
 <file path=ppt/theme/theme1.xml><?xml version="1.0" encoding="utf-8"?>
 <a:theme xmlns:a="http://schemas.openxmlformats.org/drawingml/2006/main" name="Office Theme">
   <a:themeElements>
